--- a/Trabajo/AMAZON EC2.pptx
+++ b/Trabajo/AMAZON EC2.pptx
@@ -5,24 +5,23 @@
     <p:sldMasterId id="2147483768" r:id="rId1"/>
   </p:sldMasterIdLst>
   <p:notesMasterIdLst>
-    <p:notesMasterId r:id="rId17"/>
+    <p:notesMasterId r:id="rId16"/>
   </p:notesMasterIdLst>
   <p:sldIdLst>
     <p:sldId id="256" r:id="rId2"/>
-    <p:sldId id="257" r:id="rId3"/>
-    <p:sldId id="258" r:id="rId4"/>
-    <p:sldId id="259" r:id="rId5"/>
-    <p:sldId id="260" r:id="rId6"/>
-    <p:sldId id="262" r:id="rId7"/>
-    <p:sldId id="263" r:id="rId8"/>
-    <p:sldId id="264" r:id="rId9"/>
-    <p:sldId id="265" r:id="rId10"/>
-    <p:sldId id="266" r:id="rId11"/>
-    <p:sldId id="267" r:id="rId12"/>
-    <p:sldId id="268" r:id="rId13"/>
-    <p:sldId id="269" r:id="rId14"/>
-    <p:sldId id="270" r:id="rId15"/>
-    <p:sldId id="271" r:id="rId16"/>
+    <p:sldId id="258" r:id="rId3"/>
+    <p:sldId id="259" r:id="rId4"/>
+    <p:sldId id="260" r:id="rId5"/>
+    <p:sldId id="262" r:id="rId6"/>
+    <p:sldId id="263" r:id="rId7"/>
+    <p:sldId id="264" r:id="rId8"/>
+    <p:sldId id="265" r:id="rId9"/>
+    <p:sldId id="266" r:id="rId10"/>
+    <p:sldId id="267" r:id="rId11"/>
+    <p:sldId id="268" r:id="rId12"/>
+    <p:sldId id="269" r:id="rId13"/>
+    <p:sldId id="270" r:id="rId14"/>
+    <p:sldId id="271" r:id="rId15"/>
   </p:sldIdLst>
   <p:sldSz cx="9144000" cy="6858000" type="screen4x3"/>
   <p:notesSz cx="6858000" cy="9144000"/>
@@ -539,7 +538,7 @@
           <a:p>
             <a:fld id="{FF0EFF1F-4AAB-443E-8C12-F3F2B11C2F62}" type="slidenum">
               <a:rPr lang="es-ES" smtClean="0"/>
-              <a:t>3</a:t>
+              <a:t>2</a:t>
             </a:fld>
             <a:endParaRPr lang="es-ES"/>
           </a:p>
@@ -5616,43 +5615,18 @@
           <a:chExt cx="0" cy="0"/>
         </a:xfrm>
       </p:grpSpPr>
-      <p:sp>
-        <p:nvSpPr>
-          <p:cNvPr id="2" name="1 Título"/>
-          <p:cNvSpPr>
-            <a:spLocks noGrp="1"/>
-          </p:cNvSpPr>
-          <p:nvPr>
-            <p:ph type="title"/>
-          </p:nvPr>
-        </p:nvSpPr>
-        <p:spPr/>
-        <p:txBody>
-          <a:bodyPr>
-            <a:normAutofit fontScale="90000"/>
-          </a:bodyPr>
-          <a:lstStyle/>
-          <a:p>
-            <a:r>
-              <a:rPr lang="es-ES" dirty="0" smtClean="0"/>
-              <a:t>CONECTARSE AL SERVIDOR</a:t>
-            </a:r>
-            <a:endParaRPr lang="es-ES" dirty="0"/>
-          </a:p>
-        </p:txBody>
-      </p:sp>
       <p:pic>
         <p:nvPicPr>
-          <p:cNvPr id="4" name="3 Marcador de contenido"/>
+          <p:cNvPr id="5" name="4 Marcador de contenido"/>
           <p:cNvPicPr>
             <a:picLocks noGrp="1" noChangeAspect="1"/>
           </p:cNvPicPr>
           <p:nvPr>
-            <p:ph idx="1"/>
+            <p:ph sz="quarter" idx="13"/>
           </p:nvPr>
         </p:nvPicPr>
         <p:blipFill>
-          <a:blip r:embed="rId2">
+          <a:blip r:embed="rId2" cstate="print">
             <a:extLst>
               <a:ext uri="{28A0092B-C50C-407E-A947-70E740481C1C}">
                 <a14:useLocalDpi xmlns:a14="http://schemas.microsoft.com/office/drawing/2010/main" val="0"/>
@@ -5665,15 +5639,55 @@
         </p:blipFill>
         <p:spPr>
           <a:xfrm>
-            <a:off x="1475656" y="2060848"/>
-            <a:ext cx="6196013" cy="2986796"/>
+            <a:off x="1043608" y="2852936"/>
+            <a:ext cx="7233865" cy="3096344"/>
           </a:xfrm>
         </p:spPr>
       </p:pic>
+      <p:sp>
+        <p:nvSpPr>
+          <p:cNvPr id="4" name="3 Marcador de contenido"/>
+          <p:cNvSpPr>
+            <a:spLocks noGrp="1"/>
+          </p:cNvSpPr>
+          <p:nvPr>
+            <p:ph sz="quarter" idx="14"/>
+          </p:nvPr>
+        </p:nvSpPr>
+        <p:spPr>
+          <a:xfrm>
+            <a:off x="971600" y="908720"/>
+            <a:ext cx="7272808" cy="1584176"/>
+          </a:xfrm>
+        </p:spPr>
+        <p:txBody>
+          <a:bodyPr>
+            <a:normAutofit fontScale="92500" lnSpcReduction="10000"/>
+          </a:bodyPr>
+          <a:lstStyle/>
+          <a:p>
+            <a:endParaRPr lang="es-ES" sz="3200" b="1" dirty="0" smtClean="0"/>
+          </a:p>
+          <a:p>
+            <a:r>
+              <a:rPr lang="es-ES" sz="3200" b="1" dirty="0" smtClean="0"/>
+              <a:t>PERMISOS A LA KEY</a:t>
+            </a:r>
+            <a:endParaRPr lang="es-ES" sz="3200" b="1" i="1" dirty="0" smtClean="0"/>
+          </a:p>
+          <a:p>
+            <a:r>
+              <a:rPr lang="es-ES" sz="3200" b="1" dirty="0" smtClean="0"/>
+              <a:t>CONEXIÓN SSH</a:t>
+            </a:r>
+            <a:endParaRPr lang="es-ES" sz="3200" b="1" dirty="0"/>
+          </a:p>
+        </p:txBody>
+      </p:sp>
     </p:spTree>
     <p:extLst>
       <p:ext uri="{BB962C8B-B14F-4D97-AF65-F5344CB8AC3E}">
-        <p14:creationId xmlns:p14="http://schemas.microsoft.com/office/powerpoint/2010/main" val="3804386244"/>
+        <p14:creationId xmlns:p14="http://schemas.microsoft.com/office/powerpoint/2010/main" val="212861271"/>
       </p:ext>
     </p:extLst>
   </p:cSld>
@@ -5707,18 +5721,41 @@
           <a:chExt cx="0" cy="0"/>
         </a:xfrm>
       </p:grpSpPr>
+      <p:sp>
+        <p:nvSpPr>
+          <p:cNvPr id="2" name="1 Título"/>
+          <p:cNvSpPr>
+            <a:spLocks noGrp="1"/>
+          </p:cNvSpPr>
+          <p:nvPr>
+            <p:ph type="title"/>
+          </p:nvPr>
+        </p:nvSpPr>
+        <p:spPr/>
+        <p:txBody>
+          <a:bodyPr/>
+          <a:lstStyle/>
+          <a:p>
+            <a:r>
+              <a:rPr lang="es-ES" b="1" dirty="0" smtClean="0"/>
+              <a:t>PRUEBA DE SERVICIOS</a:t>
+            </a:r>
+            <a:endParaRPr lang="es-ES" b="1" dirty="0"/>
+          </a:p>
+        </p:txBody>
+      </p:sp>
       <p:pic>
         <p:nvPicPr>
-          <p:cNvPr id="5" name="4 Marcador de contenido"/>
+          <p:cNvPr id="6" name="5 Marcador de contenido"/>
           <p:cNvPicPr>
             <a:picLocks noGrp="1" noChangeAspect="1"/>
           </p:cNvPicPr>
           <p:nvPr>
-            <p:ph sz="quarter" idx="13"/>
+            <p:ph idx="1"/>
           </p:nvPr>
         </p:nvPicPr>
         <p:blipFill>
-          <a:blip r:embed="rId2" cstate="print">
+          <a:blip r:embed="rId2">
             <a:extLst>
               <a:ext uri="{28A0092B-C50C-407E-A947-70E740481C1C}">
                 <a14:useLocalDpi xmlns:a14="http://schemas.microsoft.com/office/drawing/2010/main" val="0"/>
@@ -5731,55 +5768,15 @@
         </p:blipFill>
         <p:spPr>
           <a:xfrm>
-            <a:off x="1043608" y="2852936"/>
-            <a:ext cx="7233865" cy="3096344"/>
+            <a:off x="1463675" y="2161263"/>
+            <a:ext cx="6196013" cy="3519724"/>
           </a:xfrm>
         </p:spPr>
       </p:pic>
-      <p:sp>
-        <p:nvSpPr>
-          <p:cNvPr id="4" name="3 Marcador de contenido"/>
-          <p:cNvSpPr>
-            <a:spLocks noGrp="1"/>
-          </p:cNvSpPr>
-          <p:nvPr>
-            <p:ph sz="quarter" idx="14"/>
-          </p:nvPr>
-        </p:nvSpPr>
-        <p:spPr>
-          <a:xfrm>
-            <a:off x="971600" y="908720"/>
-            <a:ext cx="7272808" cy="1584176"/>
-          </a:xfrm>
-        </p:spPr>
-        <p:txBody>
-          <a:bodyPr>
-            <a:normAutofit fontScale="92500" lnSpcReduction="10000"/>
-          </a:bodyPr>
-          <a:lstStyle/>
-          <a:p>
-            <a:endParaRPr lang="es-ES" sz="3200" b="1" dirty="0" smtClean="0"/>
-          </a:p>
-          <a:p>
-            <a:r>
-              <a:rPr lang="es-ES" sz="3200" b="1" dirty="0" smtClean="0"/>
-              <a:t>PERMISOS A LA KEY</a:t>
-            </a:r>
-            <a:endParaRPr lang="es-ES" sz="3200" b="1" i="1" dirty="0" smtClean="0"/>
-          </a:p>
-          <a:p>
-            <a:r>
-              <a:rPr lang="es-ES" sz="3200" b="1" dirty="0" smtClean="0"/>
-              <a:t>CONEXIÓN SSH</a:t>
-            </a:r>
-            <a:endParaRPr lang="es-ES" sz="3200" b="1" dirty="0"/>
-          </a:p>
-        </p:txBody>
-      </p:sp>
     </p:spTree>
     <p:extLst>
       <p:ext uri="{BB962C8B-B14F-4D97-AF65-F5344CB8AC3E}">
-        <p14:creationId xmlns:p14="http://schemas.microsoft.com/office/powerpoint/2010/main" val="212861271"/>
+        <p14:creationId xmlns:p14="http://schemas.microsoft.com/office/powerpoint/2010/main" val="2393561284"/>
       </p:ext>
     </p:extLst>
   </p:cSld>
@@ -5815,7 +5812,7 @@
       </p:grpSpPr>
       <p:sp>
         <p:nvSpPr>
-          <p:cNvPr id="2" name="1 Título"/>
+          <p:cNvPr id="8" name="7 Título"/>
           <p:cNvSpPr>
             <a:spLocks noGrp="1"/>
           </p:cNvSpPr>
@@ -5829,16 +5826,16 @@
           <a:lstStyle/>
           <a:p>
             <a:r>
-              <a:rPr lang="es-ES" b="1" dirty="0" smtClean="0"/>
-              <a:t>PRUEBA DE SERVICIOS</a:t>
-            </a:r>
-            <a:endParaRPr lang="es-ES" b="1" dirty="0"/>
+              <a:rPr lang="es-ES" dirty="0" smtClean="0"/>
+              <a:t>EVITAR ERROES</a:t>
+            </a:r>
+            <a:endParaRPr lang="es-ES" dirty="0"/>
           </a:p>
         </p:txBody>
       </p:sp>
       <p:pic>
         <p:nvPicPr>
-          <p:cNvPr id="6" name="5 Marcador de contenido"/>
+          <p:cNvPr id="11" name="10 Marcador de contenido"/>
           <p:cNvPicPr>
             <a:picLocks noGrp="1" noChangeAspect="1"/>
           </p:cNvPicPr>
@@ -5847,7 +5844,7 @@
           </p:nvPr>
         </p:nvPicPr>
         <p:blipFill>
-          <a:blip r:embed="rId2">
+          <a:blip r:embed="rId2" cstate="print">
             <a:extLst>
               <a:ext uri="{28A0092B-C50C-407E-A947-70E740481C1C}">
                 <a14:useLocalDpi xmlns:a14="http://schemas.microsoft.com/office/drawing/2010/main" val="0"/>
@@ -5860,15 +5857,15 @@
         </p:blipFill>
         <p:spPr>
           <a:xfrm>
-            <a:off x="1463675" y="2161263"/>
-            <a:ext cx="6196013" cy="3519724"/>
+            <a:off x="1475656" y="2636912"/>
+            <a:ext cx="6196013" cy="2705498"/>
           </a:xfrm>
         </p:spPr>
       </p:pic>
     </p:spTree>
     <p:extLst>
       <p:ext uri="{BB962C8B-B14F-4D97-AF65-F5344CB8AC3E}">
-        <p14:creationId xmlns:p14="http://schemas.microsoft.com/office/powerpoint/2010/main" val="2393561284"/>
+        <p14:creationId xmlns:p14="http://schemas.microsoft.com/office/powerpoint/2010/main" val="2045370379"/>
       </p:ext>
     </p:extLst>
   </p:cSld>
@@ -5904,95 +5901,6 @@
       </p:grpSpPr>
       <p:sp>
         <p:nvSpPr>
-          <p:cNvPr id="8" name="7 Título"/>
-          <p:cNvSpPr>
-            <a:spLocks noGrp="1"/>
-          </p:cNvSpPr>
-          <p:nvPr>
-            <p:ph type="title"/>
-          </p:nvPr>
-        </p:nvSpPr>
-        <p:spPr/>
-        <p:txBody>
-          <a:bodyPr/>
-          <a:lstStyle/>
-          <a:p>
-            <a:r>
-              <a:rPr lang="es-ES" dirty="0" smtClean="0"/>
-              <a:t>EVITAR ERROES</a:t>
-            </a:r>
-            <a:endParaRPr lang="es-ES" dirty="0"/>
-          </a:p>
-        </p:txBody>
-      </p:sp>
-      <p:pic>
-        <p:nvPicPr>
-          <p:cNvPr id="11" name="10 Marcador de contenido"/>
-          <p:cNvPicPr>
-            <a:picLocks noGrp="1" noChangeAspect="1"/>
-          </p:cNvPicPr>
-          <p:nvPr>
-            <p:ph idx="1"/>
-          </p:nvPr>
-        </p:nvPicPr>
-        <p:blipFill>
-          <a:blip r:embed="rId2" cstate="print">
-            <a:extLst>
-              <a:ext uri="{28A0092B-C50C-407E-A947-70E740481C1C}">
-                <a14:useLocalDpi xmlns:a14="http://schemas.microsoft.com/office/drawing/2010/main" val="0"/>
-              </a:ext>
-            </a:extLst>
-          </a:blip>
-          <a:stretch>
-            <a:fillRect/>
-          </a:stretch>
-        </p:blipFill>
-        <p:spPr>
-          <a:xfrm>
-            <a:off x="1475656" y="2636912"/>
-            <a:ext cx="6196013" cy="2705498"/>
-          </a:xfrm>
-        </p:spPr>
-      </p:pic>
-    </p:spTree>
-    <p:extLst>
-      <p:ext uri="{BB962C8B-B14F-4D97-AF65-F5344CB8AC3E}">
-        <p14:creationId xmlns:p14="http://schemas.microsoft.com/office/powerpoint/2010/main" val="2045370379"/>
-      </p:ext>
-    </p:extLst>
-  </p:cSld>
-  <p:clrMapOvr>
-    <a:masterClrMapping/>
-  </p:clrMapOvr>
-  <p:timing>
-    <p:tnLst>
-      <p:par>
-        <p:cTn id="1" dur="indefinite" restart="never" nodeType="tmRoot"/>
-      </p:par>
-    </p:tnLst>
-  </p:timing>
-</p:sld>
-</file>
-
-<file path=ppt/slides/slide14.xml><?xml version="1.0" encoding="utf-8"?>
-<p:sld xmlns:a="http://schemas.openxmlformats.org/drawingml/2006/main" xmlns:r="http://schemas.openxmlformats.org/officeDocument/2006/relationships" xmlns:p="http://schemas.openxmlformats.org/presentationml/2006/main">
-  <p:cSld>
-    <p:spTree>
-      <p:nvGrpSpPr>
-        <p:cNvPr id="1" name=""/>
-        <p:cNvGrpSpPr/>
-        <p:nvPr/>
-      </p:nvGrpSpPr>
-      <p:grpSpPr>
-        <a:xfrm>
-          <a:off x="0" y="0"/>
-          <a:ext cx="0" cy="0"/>
-          <a:chOff x="0" y="0"/>
-          <a:chExt cx="0" cy="0"/>
-        </a:xfrm>
-      </p:grpSpPr>
-      <p:sp>
-        <p:nvSpPr>
           <p:cNvPr id="2" name="1 Título"/>
           <p:cNvSpPr>
             <a:spLocks noGrp="1"/>
@@ -6080,7 +5988,7 @@
 </p:sld>
 </file>
 
-<file path=ppt/slides/slide15.xml><?xml version="1.0" encoding="utf-8"?>
+<file path=ppt/slides/slide14.xml><?xml version="1.0" encoding="utf-8"?>
 <p:sld xmlns:a="http://schemas.openxmlformats.org/drawingml/2006/main" xmlns:r="http://schemas.openxmlformats.org/officeDocument/2006/relationships" xmlns:p="http://schemas.openxmlformats.org/presentationml/2006/main">
   <p:cSld>
     <p:spTree>
@@ -6202,7 +6110,12 @@
             <p:ph type="title"/>
           </p:nvPr>
         </p:nvSpPr>
-        <p:spPr/>
+        <p:spPr>
+          <a:xfrm rot="-60000">
+            <a:off x="775306" y="1013048"/>
+            <a:ext cx="3723739" cy="2293486"/>
+          </a:xfrm>
+        </p:spPr>
         <p:txBody>
           <a:bodyPr>
             <a:normAutofit/>
@@ -6210,16 +6123,16 @@
           <a:lstStyle/>
           <a:p>
             <a:r>
-              <a:rPr lang="es-ES" b="1" dirty="0" smtClean="0"/>
+              <a:rPr lang="es-ES" sz="4400" b="1" dirty="0"/>
               <a:t>Introducción</a:t>
             </a:r>
-            <a:endParaRPr lang="es-ES" dirty="0"/>
+            <a:endParaRPr lang="es-ES" sz="4400" dirty="0"/>
           </a:p>
         </p:txBody>
       </p:sp>
       <p:pic>
         <p:nvPicPr>
-          <p:cNvPr id="4" name="3 Marcador de contenido"/>
+          <p:cNvPr id="5" name="4 Marcador de contenido"/>
           <p:cNvPicPr>
             <a:picLocks noGrp="1" noChangeAspect="1"/>
           </p:cNvPicPr>
@@ -6228,7 +6141,7 @@
           </p:nvPr>
         </p:nvPicPr>
         <p:blipFill>
-          <a:blip r:embed="rId2" cstate="print">
+          <a:blip r:embed="rId3" cstate="print">
             <a:extLst>
               <a:ext uri="{28A0092B-C50C-407E-A947-70E740481C1C}">
                 <a14:useLocalDpi xmlns:a14="http://schemas.microsoft.com/office/drawing/2010/main" val="0"/>
@@ -6241,15 +6154,69 @@
         </p:blipFill>
         <p:spPr>
           <a:xfrm>
-            <a:off x="1115616" y="1988840"/>
-            <a:ext cx="4804833" cy="3603625"/>
+            <a:off x="5004048" y="1196751"/>
+            <a:ext cx="2790189" cy="4795231"/>
           </a:xfrm>
         </p:spPr>
       </p:pic>
+      <p:sp>
+        <p:nvSpPr>
+          <p:cNvPr id="4" name="3 Marcador de texto"/>
+          <p:cNvSpPr>
+            <a:spLocks noGrp="1"/>
+          </p:cNvSpPr>
+          <p:nvPr>
+            <p:ph type="body" sz="half" idx="2"/>
+          </p:nvPr>
+        </p:nvSpPr>
+        <p:spPr/>
+        <p:txBody>
+          <a:bodyPr>
+            <a:normAutofit/>
+          </a:bodyPr>
+          <a:lstStyle/>
+          <a:p>
+            <a:endParaRPr lang="es-ES" sz="2400" dirty="0"/>
+          </a:p>
+          <a:p>
+            <a:pPr marL="285750" indent="-285750" algn="l">
+              <a:buFont typeface="Arial" pitchFamily="34" charset="0"/>
+              <a:buChar char="•"/>
+            </a:pPr>
+            <a:r>
+              <a:rPr lang="es-ES" sz="2400" dirty="0" smtClean="0"/>
+              <a:t>¿Qué es AMAZON EC2?</a:t>
+            </a:r>
+          </a:p>
+          <a:p>
+            <a:pPr marL="285750" indent="-285750" algn="l">
+              <a:buFont typeface="Arial" pitchFamily="34" charset="0"/>
+              <a:buChar char="•"/>
+            </a:pPr>
+            <a:r>
+              <a:rPr lang="es-ES" sz="2400" dirty="0" smtClean="0"/>
+              <a:t>¿Para que sirve ?</a:t>
+            </a:r>
+          </a:p>
+          <a:p>
+            <a:pPr marL="285750" indent="-285750" algn="l">
+              <a:buFont typeface="Arial" pitchFamily="34" charset="0"/>
+              <a:buChar char="•"/>
+            </a:pPr>
+            <a:endParaRPr lang="es-ES" dirty="0" smtClean="0"/>
+          </a:p>
+          <a:p>
+            <a:endParaRPr lang="es-ES" dirty="0" smtClean="0"/>
+          </a:p>
+          <a:p>
+            <a:endParaRPr lang="es-ES" dirty="0"/>
+          </a:p>
+        </p:txBody>
+      </p:sp>
     </p:spTree>
     <p:extLst>
       <p:ext uri="{BB962C8B-B14F-4D97-AF65-F5344CB8AC3E}">
-        <p14:creationId xmlns:p14="http://schemas.microsoft.com/office/powerpoint/2010/main" val="1940788234"/>
+        <p14:creationId xmlns:p14="http://schemas.microsoft.com/office/powerpoint/2010/main" val="1429487759"/>
       </p:ext>
     </p:extLst>
   </p:cSld>
@@ -6293,29 +6260,38 @@
             <p:ph type="title"/>
           </p:nvPr>
         </p:nvSpPr>
-        <p:spPr>
-          <a:xfrm rot="-60000">
-            <a:off x="775306" y="1013048"/>
-            <a:ext cx="3723739" cy="2293486"/>
-          </a:xfrm>
-        </p:spPr>
+        <p:spPr/>
         <p:txBody>
           <a:bodyPr>
-            <a:normAutofit/>
+            <a:normAutofit fontScale="90000"/>
           </a:bodyPr>
           <a:lstStyle/>
           <a:p>
             <a:r>
-              <a:rPr lang="es-ES" sz="4400" b="1" dirty="0"/>
-              <a:t>Introducción</a:t>
-            </a:r>
-            <a:endParaRPr lang="es-ES" sz="4400" dirty="0"/>
+              <a:rPr lang="es-ES" b="1" dirty="0" smtClean="0"/>
+              <a:t/>
+            </a:r>
+            <a:br>
+              <a:rPr lang="es-ES" b="1" dirty="0" smtClean="0"/>
+            </a:br>
+            <a:r>
+              <a:rPr lang="es-ES" b="1" dirty="0" smtClean="0"/>
+              <a:t>CREAR CUENTA</a:t>
+            </a:r>
+            <a:r>
+              <a:rPr lang="es-ES" b="1" dirty="0"/>
+              <a:t/>
+            </a:r>
+            <a:br>
+              <a:rPr lang="es-ES" b="1" dirty="0"/>
+            </a:br>
+            <a:endParaRPr lang="es-ES" dirty="0"/>
           </a:p>
         </p:txBody>
       </p:sp>
       <p:pic>
         <p:nvPicPr>
-          <p:cNvPr id="5" name="4 Marcador de contenido"/>
+          <p:cNvPr id="4" name="3 Marcador de contenido"/>
           <p:cNvPicPr>
             <a:picLocks noGrp="1" noChangeAspect="1"/>
           </p:cNvPicPr>
@@ -6324,7 +6300,7 @@
           </p:nvPr>
         </p:nvPicPr>
         <p:blipFill>
-          <a:blip r:embed="rId3" cstate="print">
+          <a:blip r:embed="rId2">
             <a:extLst>
               <a:ext uri="{28A0092B-C50C-407E-A947-70E740481C1C}">
                 <a14:useLocalDpi xmlns:a14="http://schemas.microsoft.com/office/drawing/2010/main" val="0"/>
@@ -6337,69 +6313,15 @@
         </p:blipFill>
         <p:spPr>
           <a:xfrm>
-            <a:off x="5004048" y="1196751"/>
-            <a:ext cx="2790189" cy="4795231"/>
+            <a:off x="1463675" y="2060848"/>
+            <a:ext cx="6196013" cy="3511487"/>
           </a:xfrm>
         </p:spPr>
       </p:pic>
-      <p:sp>
-        <p:nvSpPr>
-          <p:cNvPr id="4" name="3 Marcador de texto"/>
-          <p:cNvSpPr>
-            <a:spLocks noGrp="1"/>
-          </p:cNvSpPr>
-          <p:nvPr>
-            <p:ph type="body" sz="half" idx="2"/>
-          </p:nvPr>
-        </p:nvSpPr>
-        <p:spPr/>
-        <p:txBody>
-          <a:bodyPr>
-            <a:normAutofit/>
-          </a:bodyPr>
-          <a:lstStyle/>
-          <a:p>
-            <a:endParaRPr lang="es-ES" sz="2400" dirty="0"/>
-          </a:p>
-          <a:p>
-            <a:pPr marL="285750" indent="-285750" algn="l">
-              <a:buFont typeface="Arial" pitchFamily="34" charset="0"/>
-              <a:buChar char="•"/>
-            </a:pPr>
-            <a:r>
-              <a:rPr lang="es-ES" sz="2400" dirty="0" smtClean="0"/>
-              <a:t>¿Qué es AMAZON EC2?</a:t>
-            </a:r>
-          </a:p>
-          <a:p>
-            <a:pPr marL="285750" indent="-285750" algn="l">
-              <a:buFont typeface="Arial" pitchFamily="34" charset="0"/>
-              <a:buChar char="•"/>
-            </a:pPr>
-            <a:r>
-              <a:rPr lang="es-ES" sz="2400" dirty="0" smtClean="0"/>
-              <a:t>¿Para que sirve ?</a:t>
-            </a:r>
-          </a:p>
-          <a:p>
-            <a:pPr marL="285750" indent="-285750" algn="l">
-              <a:buFont typeface="Arial" pitchFamily="34" charset="0"/>
-              <a:buChar char="•"/>
-            </a:pPr>
-            <a:endParaRPr lang="es-ES" dirty="0" smtClean="0"/>
-          </a:p>
-          <a:p>
-            <a:endParaRPr lang="es-ES" dirty="0" smtClean="0"/>
-          </a:p>
-          <a:p>
-            <a:endParaRPr lang="es-ES" dirty="0"/>
-          </a:p>
-        </p:txBody>
-      </p:sp>
     </p:spTree>
     <p:extLst>
       <p:ext uri="{BB962C8B-B14F-4D97-AF65-F5344CB8AC3E}">
-        <p14:creationId xmlns:p14="http://schemas.microsoft.com/office/powerpoint/2010/main" val="1429487759"/>
+        <p14:creationId xmlns:p14="http://schemas.microsoft.com/office/powerpoint/2010/main" val="2273058283"/>
       </p:ext>
     </p:extLst>
   </p:cSld>
@@ -6445,29 +6367,13 @@
         </p:nvSpPr>
         <p:spPr/>
         <p:txBody>
-          <a:bodyPr>
-            <a:normAutofit fontScale="90000"/>
-          </a:bodyPr>
-          <a:lstStyle/>
-          <a:p>
-            <a:r>
-              <a:rPr lang="es-ES" b="1" dirty="0" smtClean="0"/>
-              <a:t/>
-            </a:r>
-            <a:br>
-              <a:rPr lang="es-ES" b="1" dirty="0" smtClean="0"/>
-            </a:br>
-            <a:r>
-              <a:rPr lang="es-ES" b="1" dirty="0" smtClean="0"/>
-              <a:t>CREAR CUENTA</a:t>
-            </a:r>
-            <a:r>
-              <a:rPr lang="es-ES" b="1" dirty="0"/>
-              <a:t/>
-            </a:r>
-            <a:br>
-              <a:rPr lang="es-ES" b="1" dirty="0"/>
-            </a:br>
+          <a:bodyPr/>
+          <a:lstStyle/>
+          <a:p>
+            <a:r>
+              <a:rPr lang="es-ES" dirty="0" smtClean="0"/>
+              <a:t>CREAR USUARIO ROOT</a:t>
+            </a:r>
             <a:endParaRPr lang="es-ES" dirty="0"/>
           </a:p>
         </p:txBody>
@@ -6479,11 +6385,11 @@
             <a:picLocks noGrp="1" noChangeAspect="1"/>
           </p:cNvPicPr>
           <p:nvPr>
-            <p:ph idx="1"/>
+            <p:ph sz="quarter" idx="13"/>
           </p:nvPr>
         </p:nvPicPr>
         <p:blipFill>
-          <a:blip r:embed="rId2">
+          <a:blip r:embed="rId2" cstate="print">
             <a:extLst>
               <a:ext uri="{28A0092B-C50C-407E-A947-70E740481C1C}">
                 <a14:useLocalDpi xmlns:a14="http://schemas.microsoft.com/office/drawing/2010/main" val="0"/>
@@ -6496,15 +6402,67 @@
         </p:blipFill>
         <p:spPr>
           <a:xfrm>
-            <a:off x="1463675" y="2060848"/>
-            <a:ext cx="6196013" cy="3511487"/>
-          </a:xfrm>
+            <a:off x="1187624" y="2348880"/>
+            <a:ext cx="3200400" cy="2520280"/>
+          </a:xfrm>
+          <a:prstGeom prst="rect">
+            <a:avLst/>
+          </a:prstGeom>
+          <a:ln w="228600" cap="sq" cmpd="thickThin">
+            <a:solidFill>
+              <a:srgbClr val="000000"/>
+            </a:solidFill>
+            <a:prstDash val="solid"/>
+            <a:miter lim="800000"/>
+          </a:ln>
+          <a:effectLst>
+            <a:innerShdw blurRad="76200">
+              <a:srgbClr val="000000"/>
+            </a:innerShdw>
+          </a:effectLst>
         </p:spPr>
       </p:pic>
+      <p:sp>
+        <p:nvSpPr>
+          <p:cNvPr id="6" name="5 Marcador de contenido"/>
+          <p:cNvSpPr>
+            <a:spLocks noGrp="1"/>
+          </p:cNvSpPr>
+          <p:nvPr>
+            <p:ph sz="quarter" idx="14"/>
+          </p:nvPr>
+        </p:nvSpPr>
+        <p:spPr/>
+        <p:txBody>
+          <a:bodyPr>
+            <a:normAutofit/>
+          </a:bodyPr>
+          <a:lstStyle/>
+          <a:p>
+            <a:r>
+              <a:rPr lang="es-ES" sz="4000" b="1" dirty="0" smtClean="0"/>
+              <a:t>Sección IAM</a:t>
+            </a:r>
+          </a:p>
+          <a:p>
+            <a:r>
+              <a:rPr lang="es-ES" sz="4000" b="1" dirty="0" smtClean="0"/>
+              <a:t>Crear Usuario</a:t>
+            </a:r>
+          </a:p>
+          <a:p>
+            <a:r>
+              <a:rPr lang="es-ES" sz="4000" b="1" dirty="0" smtClean="0"/>
+              <a:t>Crear Grupo</a:t>
+            </a:r>
+            <a:endParaRPr lang="es-ES" sz="4000" b="1" dirty="0"/>
+          </a:p>
+        </p:txBody>
+      </p:sp>
     </p:spTree>
     <p:extLst>
       <p:ext uri="{BB962C8B-B14F-4D97-AF65-F5344CB8AC3E}">
-        <p14:creationId xmlns:p14="http://schemas.microsoft.com/office/powerpoint/2010/main" val="2273058283"/>
+        <p14:creationId xmlns:p14="http://schemas.microsoft.com/office/powerpoint/2010/main" val="3613324343"/>
       </p:ext>
     </p:extLst>
   </p:cSld>
@@ -6538,32 +6496,9 @@
           <a:chExt cx="0" cy="0"/>
         </a:xfrm>
       </p:grpSpPr>
-      <p:sp>
-        <p:nvSpPr>
-          <p:cNvPr id="2" name="1 Título"/>
-          <p:cNvSpPr>
-            <a:spLocks noGrp="1"/>
-          </p:cNvSpPr>
-          <p:nvPr>
-            <p:ph type="title"/>
-          </p:nvPr>
-        </p:nvSpPr>
-        <p:spPr/>
-        <p:txBody>
-          <a:bodyPr/>
-          <a:lstStyle/>
-          <a:p>
-            <a:r>
-              <a:rPr lang="es-ES" dirty="0" smtClean="0"/>
-              <a:t>CREAR USUARIO ROOT</a:t>
-            </a:r>
-            <a:endParaRPr lang="es-ES" dirty="0"/>
-          </a:p>
-        </p:txBody>
-      </p:sp>
       <p:pic>
         <p:nvPicPr>
-          <p:cNvPr id="4" name="3 Marcador de contenido"/>
+          <p:cNvPr id="8" name="7 Marcador de contenido"/>
           <p:cNvPicPr>
             <a:picLocks noGrp="1" noChangeAspect="1"/>
           </p:cNvPicPr>
@@ -6585,67 +6520,44 @@
         </p:blipFill>
         <p:spPr>
           <a:xfrm>
-            <a:off x="1187624" y="2348880"/>
-            <a:ext cx="3200400" cy="2520280"/>
-          </a:xfrm>
-          <a:prstGeom prst="rect">
-            <a:avLst/>
-          </a:prstGeom>
-          <a:ln w="228600" cap="sq" cmpd="thickThin">
-            <a:solidFill>
-              <a:srgbClr val="000000"/>
-            </a:solidFill>
-            <a:prstDash val="solid"/>
-            <a:miter lim="800000"/>
-          </a:ln>
-          <a:effectLst>
-            <a:innerShdw blurRad="76200">
-              <a:srgbClr val="000000"/>
-            </a:innerShdw>
-          </a:effectLst>
+            <a:off x="1259632" y="1052736"/>
+            <a:ext cx="6495670" cy="2592288"/>
+          </a:xfrm>
         </p:spPr>
       </p:pic>
-      <p:sp>
-        <p:nvSpPr>
-          <p:cNvPr id="6" name="5 Marcador de contenido"/>
-          <p:cNvSpPr>
-            <a:spLocks noGrp="1"/>
-          </p:cNvSpPr>
+      <p:pic>
+        <p:nvPicPr>
+          <p:cNvPr id="9" name="8 Marcador de contenido"/>
+          <p:cNvPicPr>
+            <a:picLocks noGrp="1" noChangeAspect="1"/>
+          </p:cNvPicPr>
           <p:nvPr>
             <p:ph sz="quarter" idx="14"/>
           </p:nvPr>
-        </p:nvSpPr>
-        <p:spPr/>
-        <p:txBody>
-          <a:bodyPr>
-            <a:normAutofit/>
-          </a:bodyPr>
-          <a:lstStyle/>
-          <a:p>
-            <a:r>
-              <a:rPr lang="es-ES" sz="4000" b="1" dirty="0" smtClean="0"/>
-              <a:t>Sección IAM</a:t>
-            </a:r>
-          </a:p>
-          <a:p>
-            <a:r>
-              <a:rPr lang="es-ES" sz="4000" b="1" dirty="0" smtClean="0"/>
-              <a:t>Crear Usuario</a:t>
-            </a:r>
-          </a:p>
-          <a:p>
-            <a:r>
-              <a:rPr lang="es-ES" sz="4000" b="1" dirty="0" smtClean="0"/>
-              <a:t>Crear Grupo</a:t>
-            </a:r>
-            <a:endParaRPr lang="es-ES" sz="4000" b="1" dirty="0"/>
-          </a:p>
-        </p:txBody>
-      </p:sp>
+        </p:nvPicPr>
+        <p:blipFill>
+          <a:blip r:embed="rId3" cstate="print">
+            <a:extLst>
+              <a:ext uri="{28A0092B-C50C-407E-A947-70E740481C1C}">
+                <a14:useLocalDpi xmlns:a14="http://schemas.microsoft.com/office/drawing/2010/main" val="0"/>
+              </a:ext>
+            </a:extLst>
+          </a:blip>
+          <a:stretch>
+            <a:fillRect/>
+          </a:stretch>
+        </p:blipFill>
+        <p:spPr>
+          <a:xfrm>
+            <a:off x="1187624" y="3861048"/>
+            <a:ext cx="6912768" cy="2016224"/>
+          </a:xfrm>
+        </p:spPr>
+      </p:pic>
     </p:spTree>
     <p:extLst>
       <p:ext uri="{BB962C8B-B14F-4D97-AF65-F5344CB8AC3E}">
-        <p14:creationId xmlns:p14="http://schemas.microsoft.com/office/powerpoint/2010/main" val="3613324343"/>
+        <p14:creationId xmlns:p14="http://schemas.microsoft.com/office/powerpoint/2010/main" val="3561947273"/>
       </p:ext>
     </p:extLst>
   </p:cSld>
@@ -6681,7 +6593,7 @@
       </p:grpSpPr>
       <p:pic>
         <p:nvPicPr>
-          <p:cNvPr id="8" name="7 Marcador de contenido"/>
+          <p:cNvPr id="5" name="4 Marcador de contenido"/>
           <p:cNvPicPr>
             <a:picLocks noGrp="1" noChangeAspect="1"/>
           </p:cNvPicPr>
@@ -6703,14 +6615,14 @@
         </p:blipFill>
         <p:spPr>
           <a:xfrm>
-            <a:off x="1259632" y="1052736"/>
-            <a:ext cx="6495670" cy="2592288"/>
+            <a:off x="1259632" y="764704"/>
+            <a:ext cx="6696744" cy="2982097"/>
           </a:xfrm>
         </p:spPr>
       </p:pic>
       <p:pic>
         <p:nvPicPr>
-          <p:cNvPr id="9" name="8 Marcador de contenido"/>
+          <p:cNvPr id="6" name="5 Marcador de contenido"/>
           <p:cNvPicPr>
             <a:picLocks noGrp="1" noChangeAspect="1"/>
           </p:cNvPicPr>
@@ -6719,7 +6631,7 @@
           </p:nvPr>
         </p:nvPicPr>
         <p:blipFill>
-          <a:blip r:embed="rId3" cstate="print">
+          <a:blip r:embed="rId3">
             <a:extLst>
               <a:ext uri="{28A0092B-C50C-407E-A947-70E740481C1C}">
                 <a14:useLocalDpi xmlns:a14="http://schemas.microsoft.com/office/drawing/2010/main" val="0"/>
@@ -6732,15 +6644,15 @@
         </p:blipFill>
         <p:spPr>
           <a:xfrm>
-            <a:off x="1187624" y="3861048"/>
-            <a:ext cx="6912768" cy="2016224"/>
+            <a:off x="1259632" y="4005064"/>
+            <a:ext cx="6696744" cy="2161308"/>
           </a:xfrm>
         </p:spPr>
       </p:pic>
     </p:spTree>
     <p:extLst>
       <p:ext uri="{BB962C8B-B14F-4D97-AF65-F5344CB8AC3E}">
-        <p14:creationId xmlns:p14="http://schemas.microsoft.com/office/powerpoint/2010/main" val="3561947273"/>
+        <p14:creationId xmlns:p14="http://schemas.microsoft.com/office/powerpoint/2010/main" val="1288604247"/>
       </p:ext>
     </p:extLst>
   </p:cSld>
@@ -6774,14 +6686,84 @@
           <a:chExt cx="0" cy="0"/>
         </a:xfrm>
       </p:grpSpPr>
+      <p:sp>
+        <p:nvSpPr>
+          <p:cNvPr id="2" name="1 Título"/>
+          <p:cNvSpPr>
+            <a:spLocks noGrp="1"/>
+          </p:cNvSpPr>
+          <p:nvPr>
+            <p:ph type="title"/>
+          </p:nvPr>
+        </p:nvSpPr>
+        <p:spPr/>
+        <p:txBody>
+          <a:bodyPr>
+            <a:normAutofit fontScale="90000"/>
+          </a:bodyPr>
+          <a:lstStyle/>
+          <a:p>
+            <a:r>
+              <a:rPr lang="es-ES" dirty="0" smtClean="0"/>
+              <a:t>ELEGIR SISTEMA OPERTAIVO</a:t>
+            </a:r>
+            <a:endParaRPr lang="es-ES" dirty="0"/>
+          </a:p>
+        </p:txBody>
+      </p:sp>
+      <p:sp>
+        <p:nvSpPr>
+          <p:cNvPr id="4" name="3 Marcador de contenido"/>
+          <p:cNvSpPr>
+            <a:spLocks noGrp="1"/>
+          </p:cNvSpPr>
+          <p:nvPr>
+            <p:ph sz="quarter" idx="13"/>
+          </p:nvPr>
+        </p:nvSpPr>
+        <p:spPr/>
+        <p:txBody>
+          <a:bodyPr>
+            <a:normAutofit/>
+          </a:bodyPr>
+          <a:lstStyle/>
+          <a:p>
+            <a:endParaRPr lang="es-ES" sz="4000" b="1" dirty="0" smtClean="0"/>
+          </a:p>
+          <a:p>
+            <a:r>
+              <a:rPr lang="es-ES" sz="4000" b="1" dirty="0" err="1" smtClean="0"/>
+              <a:t>Seccion</a:t>
+            </a:r>
+            <a:r>
+              <a:rPr lang="es-ES" sz="4000" b="1" dirty="0" smtClean="0"/>
+              <a:t> EC2</a:t>
+            </a:r>
+          </a:p>
+          <a:p>
+            <a:r>
+              <a:rPr lang="es-ES" sz="4000" b="1" dirty="0" err="1" smtClean="0"/>
+              <a:t>Instances</a:t>
+            </a:r>
+            <a:endParaRPr lang="es-ES" sz="4000" b="1" dirty="0" smtClean="0"/>
+          </a:p>
+          <a:p>
+            <a:r>
+              <a:rPr lang="es-ES" sz="4000" b="1" dirty="0" err="1" smtClean="0"/>
+              <a:t>KeyPair</a:t>
+            </a:r>
+            <a:endParaRPr lang="es-ES" sz="4000" b="1" dirty="0"/>
+          </a:p>
+        </p:txBody>
+      </p:sp>
       <p:pic>
         <p:nvPicPr>
-          <p:cNvPr id="5" name="4 Marcador de contenido"/>
+          <p:cNvPr id="6" name="5 Marcador de contenido"/>
           <p:cNvPicPr>
             <a:picLocks noGrp="1" noChangeAspect="1"/>
           </p:cNvPicPr>
           <p:nvPr>
-            <p:ph sz="quarter" idx="13"/>
+            <p:ph sz="quarter" idx="14"/>
           </p:nvPr>
         </p:nvPicPr>
         <p:blipFill>
@@ -6798,44 +6780,15 @@
         </p:blipFill>
         <p:spPr>
           <a:xfrm>
-            <a:off x="1259632" y="764704"/>
-            <a:ext cx="6696744" cy="2982097"/>
-          </a:xfrm>
-        </p:spPr>
-      </p:pic>
-      <p:pic>
-        <p:nvPicPr>
-          <p:cNvPr id="6" name="5 Marcador de contenido"/>
-          <p:cNvPicPr>
-            <a:picLocks noGrp="1" noChangeAspect="1"/>
-          </p:cNvPicPr>
-          <p:nvPr>
-            <p:ph sz="quarter" idx="14"/>
-          </p:nvPr>
-        </p:nvPicPr>
-        <p:blipFill>
-          <a:blip r:embed="rId3">
-            <a:extLst>
-              <a:ext uri="{28A0092B-C50C-407E-A947-70E740481C1C}">
-                <a14:useLocalDpi xmlns:a14="http://schemas.microsoft.com/office/drawing/2010/main" val="0"/>
-              </a:ext>
-            </a:extLst>
-          </a:blip>
-          <a:stretch>
-            <a:fillRect/>
-          </a:stretch>
-        </p:blipFill>
-        <p:spPr>
-          <a:xfrm>
-            <a:off x="1259632" y="4005064"/>
-            <a:ext cx="6696744" cy="2161308"/>
+            <a:off x="4664075" y="2996952"/>
+            <a:ext cx="3200400" cy="2016224"/>
           </a:xfrm>
         </p:spPr>
       </p:pic>
     </p:spTree>
     <p:extLst>
       <p:ext uri="{BB962C8B-B14F-4D97-AF65-F5344CB8AC3E}">
-        <p14:creationId xmlns:p14="http://schemas.microsoft.com/office/powerpoint/2010/main" val="1288604247"/>
+        <p14:creationId xmlns:p14="http://schemas.microsoft.com/office/powerpoint/2010/main" val="3838801303"/>
       </p:ext>
     </p:extLst>
   </p:cSld>
@@ -6869,84 +6822,14 @@
           <a:chExt cx="0" cy="0"/>
         </a:xfrm>
       </p:grpSpPr>
-      <p:sp>
-        <p:nvSpPr>
-          <p:cNvPr id="2" name="1 Título"/>
-          <p:cNvSpPr>
-            <a:spLocks noGrp="1"/>
-          </p:cNvSpPr>
-          <p:nvPr>
-            <p:ph type="title"/>
-          </p:nvPr>
-        </p:nvSpPr>
-        <p:spPr/>
-        <p:txBody>
-          <a:bodyPr>
-            <a:normAutofit fontScale="90000"/>
-          </a:bodyPr>
-          <a:lstStyle/>
-          <a:p>
-            <a:r>
-              <a:rPr lang="es-ES" dirty="0" smtClean="0"/>
-              <a:t>ELEGIR SISTEMA OPERTAIVO</a:t>
-            </a:r>
-            <a:endParaRPr lang="es-ES" dirty="0"/>
-          </a:p>
-        </p:txBody>
-      </p:sp>
-      <p:sp>
-        <p:nvSpPr>
-          <p:cNvPr id="4" name="3 Marcador de contenido"/>
-          <p:cNvSpPr>
-            <a:spLocks noGrp="1"/>
-          </p:cNvSpPr>
-          <p:nvPr>
-            <p:ph sz="quarter" idx="13"/>
-          </p:nvPr>
-        </p:nvSpPr>
-        <p:spPr/>
-        <p:txBody>
-          <a:bodyPr>
-            <a:normAutofit/>
-          </a:bodyPr>
-          <a:lstStyle/>
-          <a:p>
-            <a:endParaRPr lang="es-ES" sz="4000" b="1" dirty="0" smtClean="0"/>
-          </a:p>
-          <a:p>
-            <a:r>
-              <a:rPr lang="es-ES" sz="4000" b="1" dirty="0" err="1" smtClean="0"/>
-              <a:t>Seccion</a:t>
-            </a:r>
-            <a:r>
-              <a:rPr lang="es-ES" sz="4000" b="1" dirty="0" smtClean="0"/>
-              <a:t> EC2</a:t>
-            </a:r>
-          </a:p>
-          <a:p>
-            <a:r>
-              <a:rPr lang="es-ES" sz="4000" b="1" dirty="0" err="1" smtClean="0"/>
-              <a:t>Instances</a:t>
-            </a:r>
-            <a:endParaRPr lang="es-ES" sz="4000" b="1" dirty="0" smtClean="0"/>
-          </a:p>
-          <a:p>
-            <a:r>
-              <a:rPr lang="es-ES" sz="4000" b="1" dirty="0" err="1" smtClean="0"/>
-              <a:t>KeyPair</a:t>
-            </a:r>
-            <a:endParaRPr lang="es-ES" sz="4000" b="1" dirty="0"/>
-          </a:p>
-        </p:txBody>
-      </p:sp>
       <p:pic>
         <p:nvPicPr>
-          <p:cNvPr id="6" name="5 Marcador de contenido"/>
+          <p:cNvPr id="5" name="4 Marcador de contenido"/>
           <p:cNvPicPr>
             <a:picLocks noGrp="1" noChangeAspect="1"/>
           </p:cNvPicPr>
           <p:nvPr>
-            <p:ph sz="quarter" idx="14"/>
+            <p:ph sz="quarter" idx="13"/>
           </p:nvPr>
         </p:nvPicPr>
         <p:blipFill>
@@ -6963,15 +6846,44 @@
         </p:blipFill>
         <p:spPr>
           <a:xfrm>
-            <a:off x="4664075" y="2996952"/>
-            <a:ext cx="3200400" cy="2016224"/>
+            <a:off x="1475656" y="1124744"/>
+            <a:ext cx="6192688" cy="2016224"/>
+          </a:xfrm>
+        </p:spPr>
+      </p:pic>
+      <p:pic>
+        <p:nvPicPr>
+          <p:cNvPr id="6" name="5 Marcador de contenido"/>
+          <p:cNvPicPr>
+            <a:picLocks noGrp="1" noChangeAspect="1"/>
+          </p:cNvPicPr>
+          <p:nvPr>
+            <p:ph sz="quarter" idx="14"/>
+          </p:nvPr>
+        </p:nvPicPr>
+        <p:blipFill>
+          <a:blip r:embed="rId3" cstate="print">
+            <a:extLst>
+              <a:ext uri="{28A0092B-C50C-407E-A947-70E740481C1C}">
+                <a14:useLocalDpi xmlns:a14="http://schemas.microsoft.com/office/drawing/2010/main" val="0"/>
+              </a:ext>
+            </a:extLst>
+          </a:blip>
+          <a:stretch>
+            <a:fillRect/>
+          </a:stretch>
+        </p:blipFill>
+        <p:spPr>
+          <a:xfrm>
+            <a:off x="1475656" y="3429000"/>
+            <a:ext cx="5976664" cy="2304256"/>
           </a:xfrm>
         </p:spPr>
       </p:pic>
     </p:spTree>
     <p:extLst>
       <p:ext uri="{BB962C8B-B14F-4D97-AF65-F5344CB8AC3E}">
-        <p14:creationId xmlns:p14="http://schemas.microsoft.com/office/powerpoint/2010/main" val="3838801303"/>
+        <p14:creationId xmlns:p14="http://schemas.microsoft.com/office/powerpoint/2010/main" val="218931542"/>
       </p:ext>
     </p:extLst>
   </p:cSld>
@@ -7005,18 +6917,43 @@
           <a:chExt cx="0" cy="0"/>
         </a:xfrm>
       </p:grpSpPr>
+      <p:sp>
+        <p:nvSpPr>
+          <p:cNvPr id="2" name="1 Título"/>
+          <p:cNvSpPr>
+            <a:spLocks noGrp="1"/>
+          </p:cNvSpPr>
+          <p:nvPr>
+            <p:ph type="title"/>
+          </p:nvPr>
+        </p:nvSpPr>
+        <p:spPr/>
+        <p:txBody>
+          <a:bodyPr>
+            <a:normAutofit fontScale="90000"/>
+          </a:bodyPr>
+          <a:lstStyle/>
+          <a:p>
+            <a:r>
+              <a:rPr lang="es-ES" dirty="0" smtClean="0"/>
+              <a:t>CONECTARSE AL SERVIDOR</a:t>
+            </a:r>
+            <a:endParaRPr lang="es-ES" dirty="0"/>
+          </a:p>
+        </p:txBody>
+      </p:sp>
       <p:pic>
         <p:nvPicPr>
-          <p:cNvPr id="5" name="4 Marcador de contenido"/>
+          <p:cNvPr id="4" name="3 Marcador de contenido"/>
           <p:cNvPicPr>
             <a:picLocks noGrp="1" noChangeAspect="1"/>
           </p:cNvPicPr>
           <p:nvPr>
-            <p:ph sz="quarter" idx="13"/>
+            <p:ph idx="1"/>
           </p:nvPr>
         </p:nvPicPr>
         <p:blipFill>
-          <a:blip r:embed="rId2" cstate="print">
+          <a:blip r:embed="rId2">
             <a:extLst>
               <a:ext uri="{28A0092B-C50C-407E-A947-70E740481C1C}">
                 <a14:useLocalDpi xmlns:a14="http://schemas.microsoft.com/office/drawing/2010/main" val="0"/>
@@ -7029,44 +6966,15 @@
         </p:blipFill>
         <p:spPr>
           <a:xfrm>
-            <a:off x="1475656" y="1124744"/>
-            <a:ext cx="6192688" cy="2016224"/>
-          </a:xfrm>
-        </p:spPr>
-      </p:pic>
-      <p:pic>
-        <p:nvPicPr>
-          <p:cNvPr id="6" name="5 Marcador de contenido"/>
-          <p:cNvPicPr>
-            <a:picLocks noGrp="1" noChangeAspect="1"/>
-          </p:cNvPicPr>
-          <p:nvPr>
-            <p:ph sz="quarter" idx="14"/>
-          </p:nvPr>
-        </p:nvPicPr>
-        <p:blipFill>
-          <a:blip r:embed="rId3" cstate="print">
-            <a:extLst>
-              <a:ext uri="{28A0092B-C50C-407E-A947-70E740481C1C}">
-                <a14:useLocalDpi xmlns:a14="http://schemas.microsoft.com/office/drawing/2010/main" val="0"/>
-              </a:ext>
-            </a:extLst>
-          </a:blip>
-          <a:stretch>
-            <a:fillRect/>
-          </a:stretch>
-        </p:blipFill>
-        <p:spPr>
-          <a:xfrm>
-            <a:off x="1475656" y="3429000"/>
-            <a:ext cx="5976664" cy="2304256"/>
+            <a:off x="1475656" y="2060848"/>
+            <a:ext cx="6196013" cy="2986796"/>
           </a:xfrm>
         </p:spPr>
       </p:pic>
     </p:spTree>
     <p:extLst>
       <p:ext uri="{BB962C8B-B14F-4D97-AF65-F5344CB8AC3E}">
-        <p14:creationId xmlns:p14="http://schemas.microsoft.com/office/powerpoint/2010/main" val="218931542"/>
+        <p14:creationId xmlns:p14="http://schemas.microsoft.com/office/powerpoint/2010/main" val="3804386244"/>
       </p:ext>
     </p:extLst>
   </p:cSld>
